--- a/Data Science.pptx
+++ b/Data Science.pptx
@@ -314,7 +314,7 @@
             <a:fld id="{B61BEF0D-F0BB-DE4B-95CE-6DB70DBA9567}" type="datetimeFigureOut">
               <a:rPr lang="en-US" smtClean="0"/>
               <a:pPr/>
-              <a:t>1/11/2022</a:t>
+              <a:t>1/12/2022</a:t>
             </a:fld>
             <a:endParaRPr lang="en-US" dirty="0"/>
           </a:p>
@@ -752,7 +752,7 @@
             <a:fld id="{B61BEF0D-F0BB-DE4B-95CE-6DB70DBA9567}" type="datetimeFigureOut">
               <a:rPr lang="en-US" smtClean="0"/>
               <a:pPr/>
-              <a:t>1/11/2022</a:t>
+              <a:t>1/12/2022</a:t>
             </a:fld>
             <a:endParaRPr lang="en-US" dirty="0"/>
           </a:p>
@@ -1004,7 +1004,7 @@
             <a:fld id="{B61BEF0D-F0BB-DE4B-95CE-6DB70DBA9567}" type="datetimeFigureOut">
               <a:rPr lang="en-US" smtClean="0"/>
               <a:pPr/>
-              <a:t>1/11/2022</a:t>
+              <a:t>1/12/2022</a:t>
             </a:fld>
             <a:endParaRPr lang="en-US" dirty="0"/>
           </a:p>
@@ -1314,7 +1314,7 @@
             <a:fld id="{B61BEF0D-F0BB-DE4B-95CE-6DB70DBA9567}" type="datetimeFigureOut">
               <a:rPr lang="en-US" smtClean="0"/>
               <a:pPr/>
-              <a:t>1/11/2022</a:t>
+              <a:t>1/12/2022</a:t>
             </a:fld>
             <a:endParaRPr lang="en-US" dirty="0"/>
           </a:p>
@@ -1634,7 +1634,7 @@
             <a:fld id="{B61BEF0D-F0BB-DE4B-95CE-6DB70DBA9567}" type="datetimeFigureOut">
               <a:rPr lang="en-US" smtClean="0"/>
               <a:pPr/>
-              <a:t>1/11/2022</a:t>
+              <a:t>1/12/2022</a:t>
             </a:fld>
             <a:endParaRPr lang="en-US" dirty="0"/>
           </a:p>
@@ -1938,7 +1938,7 @@
             <a:fld id="{B61BEF0D-F0BB-DE4B-95CE-6DB70DBA9567}" type="datetimeFigureOut">
               <a:rPr lang="en-US" smtClean="0"/>
               <a:pPr/>
-              <a:t>1/11/2022</a:t>
+              <a:t>1/12/2022</a:t>
             </a:fld>
             <a:endParaRPr lang="en-US" dirty="0"/>
           </a:p>
@@ -2307,7 +2307,7 @@
             <a:fld id="{B61BEF0D-F0BB-DE4B-95CE-6DB70DBA9567}" type="datetimeFigureOut">
               <a:rPr lang="en-US" smtClean="0"/>
               <a:pPr/>
-              <a:t>1/11/2022</a:t>
+              <a:t>1/12/2022</a:t>
             </a:fld>
             <a:endParaRPr lang="en-US" dirty="0"/>
           </a:p>
@@ -2483,7 +2483,7 @@
             <a:fld id="{B61BEF0D-F0BB-DE4B-95CE-6DB70DBA9567}" type="datetimeFigureOut">
               <a:rPr lang="en-US" smtClean="0"/>
               <a:pPr/>
-              <a:t>1/11/2022</a:t>
+              <a:t>1/12/2022</a:t>
             </a:fld>
             <a:endParaRPr lang="en-US" dirty="0"/>
           </a:p>
@@ -2665,7 +2665,7 @@
             <a:fld id="{B61BEF0D-F0BB-DE4B-95CE-6DB70DBA9567}" type="datetimeFigureOut">
               <a:rPr lang="en-US" smtClean="0"/>
               <a:pPr/>
-              <a:t>1/11/2022</a:t>
+              <a:t>1/12/2022</a:t>
             </a:fld>
             <a:endParaRPr lang="en-US" dirty="0"/>
           </a:p>
@@ -2837,7 +2837,7 @@
             <a:fld id="{B61BEF0D-F0BB-DE4B-95CE-6DB70DBA9567}" type="datetimeFigureOut">
               <a:rPr lang="en-US" smtClean="0"/>
               <a:pPr/>
-              <a:t>1/11/2022</a:t>
+              <a:t>1/12/2022</a:t>
             </a:fld>
             <a:endParaRPr lang="en-US" dirty="0"/>
           </a:p>
@@ -3089,7 +3089,7 @@
             <a:fld id="{B61BEF0D-F0BB-DE4B-95CE-6DB70DBA9567}" type="datetimeFigureOut">
               <a:rPr lang="en-US" smtClean="0"/>
               <a:pPr/>
-              <a:t>1/11/2022</a:t>
+              <a:t>1/12/2022</a:t>
             </a:fld>
             <a:endParaRPr lang="en-US" dirty="0"/>
           </a:p>
@@ -3327,7 +3327,7 @@
             <a:fld id="{B61BEF0D-F0BB-DE4B-95CE-6DB70DBA9567}" type="datetimeFigureOut">
               <a:rPr lang="en-US" smtClean="0"/>
               <a:pPr/>
-              <a:t>1/11/2022</a:t>
+              <a:t>1/12/2022</a:t>
             </a:fld>
             <a:endParaRPr lang="en-US" dirty="0"/>
           </a:p>
@@ -3711,7 +3711,7 @@
             <a:fld id="{B61BEF0D-F0BB-DE4B-95CE-6DB70DBA9567}" type="datetimeFigureOut">
               <a:rPr lang="en-US" smtClean="0"/>
               <a:pPr/>
-              <a:t>1/11/2022</a:t>
+              <a:t>1/12/2022</a:t>
             </a:fld>
             <a:endParaRPr lang="en-US" dirty="0"/>
           </a:p>
@@ -3831,7 +3831,7 @@
             <a:fld id="{B61BEF0D-F0BB-DE4B-95CE-6DB70DBA9567}" type="datetimeFigureOut">
               <a:rPr lang="en-US" smtClean="0"/>
               <a:pPr/>
-              <a:t>1/11/2022</a:t>
+              <a:t>1/12/2022</a:t>
             </a:fld>
             <a:endParaRPr lang="en-US" dirty="0"/>
           </a:p>
@@ -3928,7 +3928,7 @@
             <a:fld id="{B61BEF0D-F0BB-DE4B-95CE-6DB70DBA9567}" type="datetimeFigureOut">
               <a:rPr lang="en-US" smtClean="0"/>
               <a:pPr/>
-              <a:t>1/11/2022</a:t>
+              <a:t>1/12/2022</a:t>
             </a:fld>
             <a:endParaRPr lang="en-US" dirty="0"/>
           </a:p>
@@ -4185,7 +4185,7 @@
             <a:fld id="{B61BEF0D-F0BB-DE4B-95CE-6DB70DBA9567}" type="datetimeFigureOut">
               <a:rPr lang="en-US" smtClean="0"/>
               <a:pPr/>
-              <a:t>1/11/2022</a:t>
+              <a:t>1/12/2022</a:t>
             </a:fld>
             <a:endParaRPr lang="en-US" dirty="0"/>
           </a:p>
@@ -4470,7 +4470,7 @@
             <a:fld id="{B61BEF0D-F0BB-DE4B-95CE-6DB70DBA9567}" type="datetimeFigureOut">
               <a:rPr lang="en-US" smtClean="0"/>
               <a:pPr/>
-              <a:t>1/11/2022</a:t>
+              <a:t>1/12/2022</a:t>
             </a:fld>
             <a:endParaRPr lang="en-US" dirty="0"/>
           </a:p>
@@ -4878,7 +4878,7 @@
             <a:fld id="{B61BEF0D-F0BB-DE4B-95CE-6DB70DBA9567}" type="datetimeFigureOut">
               <a:rPr lang="en-US" smtClean="0"/>
               <a:pPr/>
-              <a:t>1/11/2022</a:t>
+              <a:t>1/12/2022</a:t>
             </a:fld>
             <a:endParaRPr lang="en-US" dirty="0"/>
           </a:p>
@@ -5517,7 +5517,7 @@
               <a:t> </a:t>
             </a:r>
             <a:r>
-              <a:rPr lang="en-US" dirty="0" err="1">
+              <a:rPr lang="en-US">
                 <a:solidFill>
                   <a:schemeClr val="accent1">
                     <a:lumMod val="20000"/>
@@ -5525,7 +5525,7 @@
                   </a:schemeClr>
                 </a:solidFill>
               </a:rPr>
-              <a:t>Dhanwe</a:t>
+              <a:t>Dhanve</a:t>
             </a:r>
             <a:endParaRPr lang="en-US" dirty="0">
               <a:solidFill>
@@ -5611,7 +5611,7 @@
                   </a:schemeClr>
                 </a:solidFill>
               </a:rPr>
-              <a:t>vibhav</a:t>
+              <a:t>vaibhav</a:t>
             </a:r>
             <a:r>
               <a:rPr lang="en-US" dirty="0">

--- a/Data Science.pptx
+++ b/Data Science.pptx
@@ -5428,8 +5428,8 @@
         </p:nvSpPr>
         <p:spPr>
           <a:xfrm>
-            <a:off x="8732490" y="5185403"/>
-            <a:ext cx="4385569" cy="1569660"/>
+            <a:off x="7945515" y="4998972"/>
+            <a:ext cx="4385569" cy="1754326"/>
           </a:xfrm>
           <a:prstGeom prst="rect">
             <a:avLst/>
@@ -5443,7 +5443,7 @@
           <a:lstStyle/>
           <a:p>
             <a:r>
-              <a:rPr lang="en-US" sz="2400" b="1" i="1" dirty="0">
+              <a:rPr lang="en-US" sz="2800" b="1" i="1" dirty="0">
                 <a:solidFill>
                   <a:srgbClr val="FF0000"/>
                 </a:solidFill>
@@ -5453,7 +5453,7 @@
               <a:t>By </a:t>
             </a:r>
             <a:r>
-              <a:rPr lang="en-US" sz="2000" b="1" dirty="0">
+              <a:rPr lang="en-US" sz="2400" b="1" dirty="0">
                 <a:solidFill>
                   <a:srgbClr val="FF0000"/>
                 </a:solidFill>
@@ -5471,167 +5471,54 @@
               <a:t>	</a:t>
             </a:r>
             <a:r>
-              <a:rPr lang="en-US" dirty="0">
-                <a:solidFill>
-                  <a:schemeClr val="accent1">
-                    <a:lumMod val="20000"/>
-                    <a:lumOff val="80000"/>
-                  </a:schemeClr>
-                </a:solidFill>
-              </a:rPr>
-              <a:t>1) Somnath Bhoite</a:t>
-            </a:r>
-          </a:p>
-          <a:p>
-            <a:r>
-              <a:rPr lang="en-US" dirty="0">
-                <a:solidFill>
-                  <a:schemeClr val="accent1">
-                    <a:lumMod val="20000"/>
-                    <a:lumOff val="80000"/>
-                  </a:schemeClr>
-                </a:solidFill>
-              </a:rPr>
-              <a:t>	2)</a:t>
-            </a:r>
-            <a:r>
-              <a:rPr lang="en-US" dirty="0" err="1">
-                <a:solidFill>
-                  <a:schemeClr val="accent1">
-                    <a:lumMod val="20000"/>
-                    <a:lumOff val="80000"/>
-                  </a:schemeClr>
-                </a:solidFill>
-              </a:rPr>
+              <a:rPr lang="en-US" sz="2000" dirty="0"/>
+              <a:t>A46 Somnath Bhoite</a:t>
+            </a:r>
+          </a:p>
+          <a:p>
+            <a:r>
+              <a:rPr lang="en-US" sz="2000" dirty="0"/>
+              <a:t>	A41 </a:t>
+            </a:r>
+            <a:r>
+              <a:rPr lang="en-US" sz="2000" dirty="0" err="1"/>
               <a:t>Sanket</a:t>
             </a:r>
             <a:r>
-              <a:rPr lang="en-US" dirty="0">
-                <a:solidFill>
-                  <a:schemeClr val="accent1">
-                    <a:lumMod val="20000"/>
-                    <a:lumOff val="80000"/>
-                  </a:schemeClr>
-                </a:solidFill>
-              </a:rPr>
+              <a:rPr lang="en-US" sz="2000" dirty="0"/>
               <a:t> </a:t>
             </a:r>
             <a:r>
-              <a:rPr lang="en-US">
-                <a:solidFill>
-                  <a:schemeClr val="accent1">
-                    <a:lumMod val="20000"/>
-                    <a:lumOff val="80000"/>
-                  </a:schemeClr>
-                </a:solidFill>
-              </a:rPr>
+              <a:rPr lang="en-US" sz="2000" dirty="0" err="1"/>
               <a:t>Dhanve</a:t>
             </a:r>
-            <a:endParaRPr lang="en-US" dirty="0">
-              <a:solidFill>
-                <a:schemeClr val="accent1">
-                  <a:lumMod val="20000"/>
-                  <a:lumOff val="80000"/>
-                </a:schemeClr>
-              </a:solidFill>
-            </a:endParaRPr>
-          </a:p>
-          <a:p>
-            <a:r>
-              <a:rPr lang="en-US" dirty="0">
-                <a:solidFill>
-                  <a:schemeClr val="accent1">
-                    <a:lumMod val="20000"/>
-                    <a:lumOff val="80000"/>
-                  </a:schemeClr>
-                </a:solidFill>
-              </a:rPr>
-              <a:t>	3)</a:t>
-            </a:r>
-            <a:r>
-              <a:rPr lang="en-US" dirty="0" err="1">
-                <a:solidFill>
-                  <a:schemeClr val="accent1">
-                    <a:lumMod val="20000"/>
-                    <a:lumOff val="80000"/>
-                  </a:schemeClr>
-                </a:solidFill>
-              </a:rPr>
-              <a:t>Prathmesh</a:t>
-            </a:r>
-            <a:r>
-              <a:rPr lang="en-US" dirty="0">
-                <a:solidFill>
-                  <a:schemeClr val="accent1">
-                    <a:lumMod val="20000"/>
-                    <a:lumOff val="80000"/>
-                  </a:schemeClr>
-                </a:solidFill>
-              </a:rPr>
+            <a:endParaRPr lang="en-US" sz="2000" dirty="0"/>
+          </a:p>
+          <a:p>
+            <a:r>
+              <a:rPr lang="en-US" sz="2000" dirty="0"/>
+              <a:t>	A29 </a:t>
+            </a:r>
+            <a:r>
+              <a:rPr lang="en-US" sz="2000" dirty="0" err="1"/>
+              <a:t>Prathamesh</a:t>
+            </a:r>
+            <a:r>
+              <a:rPr lang="en-US" sz="2000" dirty="0"/>
               <a:t> </a:t>
             </a:r>
             <a:r>
-              <a:rPr lang="en-US" dirty="0" err="1">
-                <a:solidFill>
-                  <a:schemeClr val="accent1">
-                    <a:lumMod val="20000"/>
-                    <a:lumOff val="80000"/>
-                  </a:schemeClr>
-                </a:solidFill>
-              </a:rPr>
+              <a:rPr lang="en-US" sz="2000" dirty="0" err="1"/>
               <a:t>Mengde</a:t>
             </a:r>
-            <a:endParaRPr lang="en-US" dirty="0">
-              <a:solidFill>
-                <a:schemeClr val="accent1">
-                  <a:lumMod val="20000"/>
-                  <a:lumOff val="80000"/>
-                </a:schemeClr>
-              </a:solidFill>
-            </a:endParaRPr>
-          </a:p>
-          <a:p>
-            <a:r>
-              <a:rPr lang="en-US" dirty="0">
-                <a:solidFill>
-                  <a:schemeClr val="accent1">
-                    <a:lumMod val="20000"/>
-                    <a:lumOff val="80000"/>
-                  </a:schemeClr>
-                </a:solidFill>
-              </a:rPr>
-              <a:t>	4) </a:t>
-            </a:r>
-            <a:r>
-              <a:rPr lang="en-US" dirty="0" err="1">
-                <a:solidFill>
-                  <a:schemeClr val="accent1">
-                    <a:lumMod val="20000"/>
-                    <a:lumOff val="80000"/>
-                  </a:schemeClr>
-                </a:solidFill>
-              </a:rPr>
-              <a:t>vaibhav</a:t>
-            </a:r>
-            <a:r>
-              <a:rPr lang="en-US" dirty="0">
-                <a:solidFill>
-                  <a:schemeClr val="accent1">
-                    <a:lumMod val="20000"/>
-                    <a:lumOff val="80000"/>
-                  </a:schemeClr>
-                </a:solidFill>
-              </a:rPr>
-              <a:t> Gaikwad</a:t>
-            </a:r>
-            <a:endParaRPr lang="en-IN" dirty="0">
-              <a:solidFill>
-                <a:schemeClr val="accent1">
-                  <a:lumMod val="20000"/>
-                  <a:lumOff val="80000"/>
-                </a:schemeClr>
-              </a:solidFill>
-            </a:endParaRPr>
+            <a:endParaRPr lang="en-US" sz="2000" dirty="0"/>
+          </a:p>
+          <a:p>
+            <a:r>
+              <a:rPr lang="en-US" sz="2000" dirty="0"/>
+              <a:t>	A60 Vaibhav Gaikwad</a:t>
+            </a:r>
+            <a:endParaRPr lang="en-IN" dirty="0"/>
           </a:p>
         </p:txBody>
       </p:sp>
@@ -5671,7 +5558,7 @@
                 <a:latin typeface="Cambria" panose="02040503050406030204" pitchFamily="18" charset="0"/>
                 <a:ea typeface="Cambria" panose="02040503050406030204" pitchFamily="18" charset="0"/>
               </a:rPr>
-              <a:t>		M.sc(Cs)-1 Sem-1 2021-2022</a:t>
+              <a:t>		M.sc(Cs)-1 Sem-1 2021-22</a:t>
             </a:r>
             <a:endParaRPr lang="en-IN" sz="3600" dirty="0">
               <a:solidFill>
@@ -5735,7 +5622,7 @@
         </p:blipFill>
         <p:spPr>
           <a:xfrm>
-            <a:off x="1204581" y="1523566"/>
+            <a:off x="1195703" y="1523566"/>
             <a:ext cx="7634439" cy="3810868"/>
           </a:xfrm>
           <a:prstGeom prst="rect">
@@ -5853,7 +5740,7 @@
         </p:nvSpPr>
         <p:spPr>
           <a:xfrm>
-            <a:off x="4208016" y="1864311"/>
+            <a:off x="4119239" y="845598"/>
             <a:ext cx="3213716" cy="2583402"/>
           </a:xfrm>
           <a:prstGeom prst="smileyFace">
@@ -5899,8 +5786,8 @@
         </p:nvSpPr>
         <p:spPr>
           <a:xfrm>
-            <a:off x="2831977" y="5033639"/>
-            <a:ext cx="8442664" cy="523220"/>
+            <a:off x="2423604" y="3977196"/>
+            <a:ext cx="8442664" cy="584775"/>
           </a:xfrm>
           <a:prstGeom prst="rect">
             <a:avLst/>
@@ -5919,12 +5806,28 @@
                   <a:srgbClr val="FFFF00"/>
                 </a:solidFill>
               </a:rPr>
-              <a:t>				THANK YOU!!!!!</a:t>
-            </a:r>
-            <a:endParaRPr lang="en-IN" sz="2800" dirty="0">
+              <a:t>				</a:t>
+            </a:r>
+            <a:r>
+              <a:rPr lang="en-US" sz="3200" b="1" i="1" dirty="0">
+                <a:solidFill>
+                  <a:schemeClr val="tx1">
+                    <a:lumMod val="85000"/>
+                  </a:schemeClr>
+                </a:solidFill>
+                <a:latin typeface="Cambria" panose="02040503050406030204" pitchFamily="18" charset="0"/>
+                <a:ea typeface="Cambria" panose="02040503050406030204" pitchFamily="18" charset="0"/>
+              </a:rPr>
+              <a:t>THANK YOU!!!!!</a:t>
+            </a:r>
+            <a:endParaRPr lang="en-IN" sz="2800" b="1" i="1" dirty="0">
               <a:solidFill>
-                <a:srgbClr val="FFFF00"/>
+                <a:schemeClr val="tx1">
+                  <a:lumMod val="85000"/>
+                </a:schemeClr>
               </a:solidFill>
+              <a:latin typeface="Cambria" panose="02040503050406030204" pitchFamily="18" charset="0"/>
+              <a:ea typeface="Cambria" panose="02040503050406030204" pitchFamily="18" charset="0"/>
             </a:endParaRPr>
           </a:p>
         </p:txBody>

--- a/Data Science.pptx
+++ b/Data Science.pptx
@@ -5728,52 +5728,6 @@
       </p:grpSpPr>
       <p:sp>
         <p:nvSpPr>
-          <p:cNvPr id="2" name="Smiley Face 1">
-            <a:extLst>
-              <a:ext uri="{FF2B5EF4-FFF2-40B4-BE49-F238E27FC236}">
-                <a16:creationId xmlns:a16="http://schemas.microsoft.com/office/drawing/2014/main" id="{E7845F81-2412-44A2-8AC1-152DF57C07B1}"/>
-              </a:ext>
-            </a:extLst>
-          </p:cNvPr>
-          <p:cNvSpPr/>
-          <p:nvPr/>
-        </p:nvSpPr>
-        <p:spPr>
-          <a:xfrm>
-            <a:off x="4119239" y="845598"/>
-            <a:ext cx="3213716" cy="2583402"/>
-          </a:xfrm>
-          <a:prstGeom prst="smileyFace">
-            <a:avLst/>
-          </a:prstGeom>
-        </p:spPr>
-        <p:style>
-          <a:lnRef idx="2">
-            <a:schemeClr val="accent5">
-              <a:shade val="50000"/>
-            </a:schemeClr>
-          </a:lnRef>
-          <a:fillRef idx="1">
-            <a:schemeClr val="accent5"/>
-          </a:fillRef>
-          <a:effectRef idx="0">
-            <a:schemeClr val="accent5"/>
-          </a:effectRef>
-          <a:fontRef idx="minor">
-            <a:schemeClr val="lt1"/>
-          </a:fontRef>
-        </p:style>
-        <p:txBody>
-          <a:bodyPr rtlCol="0" anchor="ctr"/>
-          <a:lstStyle/>
-          <a:p>
-            <a:pPr algn="ctr"/>
-            <a:endParaRPr lang="en-IN"/>
-          </a:p>
-        </p:txBody>
-      </p:sp>
-      <p:sp>
-        <p:nvSpPr>
           <p:cNvPr id="3" name="TextBox 2">
             <a:extLst>
               <a:ext uri="{FF2B5EF4-FFF2-40B4-BE49-F238E27FC236}">
@@ -5786,8 +5740,8 @@
         </p:nvSpPr>
         <p:spPr>
           <a:xfrm>
-            <a:off x="2423604" y="3977196"/>
-            <a:ext cx="8442664" cy="584775"/>
+            <a:off x="1740024" y="2787588"/>
+            <a:ext cx="8442664" cy="923330"/>
           </a:xfrm>
           <a:prstGeom prst="rect">
             <a:avLst/>
@@ -5809,7 +5763,7 @@
               <a:t>				</a:t>
             </a:r>
             <a:r>
-              <a:rPr lang="en-US" sz="3200" b="1" i="1" dirty="0">
+              <a:rPr lang="en-US" sz="5400" b="1" i="1" dirty="0">
                 <a:solidFill>
                   <a:schemeClr val="tx1">
                     <a:lumMod val="85000"/>
